--- a/ppt 16-9/1060.苦难中的恩典.pptx
+++ b/ppt 16-9/1060.苦难中的恩典.pptx
@@ -5,7 +5,7 @@
     <p:sldMasterId id="2147483648" r:id="rId1"/>
   </p:sldMasterIdLst>
   <p:sldIdLst>
-    <p:sldId id="502" r:id="rId2"/>
+    <p:sldId id="503" r:id="rId2"/>
   </p:sldIdLst>
   <p:sldSz cx="12192000" cy="6858000"/>
   <p:notesSz cx="6858000" cy="9144000"/>
@@ -129,7 +129,7 @@
           <p:cNvPr id="2" name="标题 1">
             <a:extLst>
               <a:ext uri="{FF2B5EF4-FFF2-40B4-BE49-F238E27FC236}">
-                <a16:creationId xmlns:a16="http://schemas.microsoft.com/office/drawing/2014/main" id="{75785B9D-C209-592C-1361-9ED42768419B}"/>
+                <a16:creationId xmlns:a16="http://schemas.microsoft.com/office/drawing/2014/main" id="{C9135D60-AAFD-52B5-7B8B-72FBF6839948}"/>
               </a:ext>
             </a:extLst>
           </p:cNvPr>
@@ -166,7 +166,7 @@
           <p:cNvPr id="3" name="副标题 2">
             <a:extLst>
               <a:ext uri="{FF2B5EF4-FFF2-40B4-BE49-F238E27FC236}">
-                <a16:creationId xmlns:a16="http://schemas.microsoft.com/office/drawing/2014/main" id="{336224E7-DEF7-DB0A-C552-8B5F9D61B8C7}"/>
+                <a16:creationId xmlns:a16="http://schemas.microsoft.com/office/drawing/2014/main" id="{6A71957C-F39C-351C-ED1F-3F14D53A3D06}"/>
               </a:ext>
             </a:extLst>
           </p:cNvPr>
@@ -236,7 +236,7 @@
           <p:cNvPr id="4" name="日期占位符 3">
             <a:extLst>
               <a:ext uri="{FF2B5EF4-FFF2-40B4-BE49-F238E27FC236}">
-                <a16:creationId xmlns:a16="http://schemas.microsoft.com/office/drawing/2014/main" id="{9E3A5822-8BA8-56DA-AC61-2F256B7367AB}"/>
+                <a16:creationId xmlns:a16="http://schemas.microsoft.com/office/drawing/2014/main" id="{83716965-3193-4EFB-B965-0B02B604BA39}"/>
               </a:ext>
             </a:extLst>
           </p:cNvPr>
@@ -252,7 +252,7 @@
           <a:bodyPr/>
           <a:lstStyle/>
           <a:p>
-            <a:fld id="{3FE16752-7EA8-40E3-BF34-580FB0C20731}" type="datetimeFigureOut">
+            <a:fld id="{B64D3486-03AD-4947-B765-BBF12762DFEB}" type="datetimeFigureOut">
               <a:rPr lang="zh-CN" altLang="en-US" smtClean="0"/>
               <a:t>2024/3/10</a:t>
             </a:fld>
@@ -265,7 +265,7 @@
           <p:cNvPr id="5" name="页脚占位符 4">
             <a:extLst>
               <a:ext uri="{FF2B5EF4-FFF2-40B4-BE49-F238E27FC236}">
-                <a16:creationId xmlns:a16="http://schemas.microsoft.com/office/drawing/2014/main" id="{9AB44125-2C0A-62C0-24F8-F47A8FBD8AB8}"/>
+                <a16:creationId xmlns:a16="http://schemas.microsoft.com/office/drawing/2014/main" id="{5F49D049-0FD3-A1A0-AB04-6E9216547190}"/>
               </a:ext>
             </a:extLst>
           </p:cNvPr>
@@ -290,7 +290,7 @@
           <p:cNvPr id="6" name="灯片编号占位符 5">
             <a:extLst>
               <a:ext uri="{FF2B5EF4-FFF2-40B4-BE49-F238E27FC236}">
-                <a16:creationId xmlns:a16="http://schemas.microsoft.com/office/drawing/2014/main" id="{8DAFE5F3-0846-1EDA-AEEF-27F3B718F518}"/>
+                <a16:creationId xmlns:a16="http://schemas.microsoft.com/office/drawing/2014/main" id="{4BB06237-EC68-CF84-753F-AE8C0012C22C}"/>
               </a:ext>
             </a:extLst>
           </p:cNvPr>
@@ -306,7 +306,7 @@
           <a:bodyPr/>
           <a:lstStyle/>
           <a:p>
-            <a:fld id="{C318061D-DB70-41AB-A931-2F2E5C4BBE63}" type="slidenum">
+            <a:fld id="{BB45FE76-AC5D-47C4-BD33-88D676007AE8}" type="slidenum">
               <a:rPr lang="zh-CN" altLang="en-US" smtClean="0"/>
               <a:t>‹#›</a:t>
             </a:fld>
@@ -317,7 +317,7 @@
     </p:spTree>
     <p:extLst>
       <p:ext uri="{BB962C8B-B14F-4D97-AF65-F5344CB8AC3E}">
-        <p14:creationId xmlns:p14="http://schemas.microsoft.com/office/powerpoint/2010/main" val="3187748955"/>
+        <p14:creationId xmlns:p14="http://schemas.microsoft.com/office/powerpoint/2010/main" val="928417507"/>
       </p:ext>
     </p:extLst>
   </p:cSld>
@@ -349,7 +349,7 @@
           <p:cNvPr id="2" name="标题 1">
             <a:extLst>
               <a:ext uri="{FF2B5EF4-FFF2-40B4-BE49-F238E27FC236}">
-                <a16:creationId xmlns:a16="http://schemas.microsoft.com/office/drawing/2014/main" id="{2C0A19BD-679A-1074-99A1-651D5DD345CB}"/>
+                <a16:creationId xmlns:a16="http://schemas.microsoft.com/office/drawing/2014/main" id="{6D686A71-F037-EDBB-9393-9D4946752E81}"/>
               </a:ext>
             </a:extLst>
           </p:cNvPr>
@@ -377,7 +377,7 @@
           <p:cNvPr id="3" name="竖排文字占位符 2">
             <a:extLst>
               <a:ext uri="{FF2B5EF4-FFF2-40B4-BE49-F238E27FC236}">
-                <a16:creationId xmlns:a16="http://schemas.microsoft.com/office/drawing/2014/main" id="{E61D5007-4F76-A4CD-E2DA-92D04AAFC894}"/>
+                <a16:creationId xmlns:a16="http://schemas.microsoft.com/office/drawing/2014/main" id="{E6452154-33E3-6E9F-A269-BEC30FD28BC2}"/>
               </a:ext>
             </a:extLst>
           </p:cNvPr>
@@ -434,7 +434,7 @@
           <p:cNvPr id="4" name="日期占位符 3">
             <a:extLst>
               <a:ext uri="{FF2B5EF4-FFF2-40B4-BE49-F238E27FC236}">
-                <a16:creationId xmlns:a16="http://schemas.microsoft.com/office/drawing/2014/main" id="{B0B857BB-2C37-4088-2CE8-5380F0053033}"/>
+                <a16:creationId xmlns:a16="http://schemas.microsoft.com/office/drawing/2014/main" id="{FAFC0E21-96EC-D51F-84B8-4437A74D4F66}"/>
               </a:ext>
             </a:extLst>
           </p:cNvPr>
@@ -450,7 +450,7 @@
           <a:bodyPr/>
           <a:lstStyle/>
           <a:p>
-            <a:fld id="{3FE16752-7EA8-40E3-BF34-580FB0C20731}" type="datetimeFigureOut">
+            <a:fld id="{B64D3486-03AD-4947-B765-BBF12762DFEB}" type="datetimeFigureOut">
               <a:rPr lang="zh-CN" altLang="en-US" smtClean="0"/>
               <a:t>2024/3/10</a:t>
             </a:fld>
@@ -463,7 +463,7 @@
           <p:cNvPr id="5" name="页脚占位符 4">
             <a:extLst>
               <a:ext uri="{FF2B5EF4-FFF2-40B4-BE49-F238E27FC236}">
-                <a16:creationId xmlns:a16="http://schemas.microsoft.com/office/drawing/2014/main" id="{2ACF1AAC-7406-C451-1F94-5533C65CAC0B}"/>
+                <a16:creationId xmlns:a16="http://schemas.microsoft.com/office/drawing/2014/main" id="{C802C630-AFBE-0359-329F-F645432E033E}"/>
               </a:ext>
             </a:extLst>
           </p:cNvPr>
@@ -488,7 +488,7 @@
           <p:cNvPr id="6" name="灯片编号占位符 5">
             <a:extLst>
               <a:ext uri="{FF2B5EF4-FFF2-40B4-BE49-F238E27FC236}">
-                <a16:creationId xmlns:a16="http://schemas.microsoft.com/office/drawing/2014/main" id="{7EC0CC09-9618-BCEF-46B7-8A36998F804F}"/>
+                <a16:creationId xmlns:a16="http://schemas.microsoft.com/office/drawing/2014/main" id="{5B6715F2-6E07-91DE-40F5-B0E241284A60}"/>
               </a:ext>
             </a:extLst>
           </p:cNvPr>
@@ -504,7 +504,7 @@
           <a:bodyPr/>
           <a:lstStyle/>
           <a:p>
-            <a:fld id="{C318061D-DB70-41AB-A931-2F2E5C4BBE63}" type="slidenum">
+            <a:fld id="{BB45FE76-AC5D-47C4-BD33-88D676007AE8}" type="slidenum">
               <a:rPr lang="zh-CN" altLang="en-US" smtClean="0"/>
               <a:t>‹#›</a:t>
             </a:fld>
@@ -515,7 +515,7 @@
     </p:spTree>
     <p:extLst>
       <p:ext uri="{BB962C8B-B14F-4D97-AF65-F5344CB8AC3E}">
-        <p14:creationId xmlns:p14="http://schemas.microsoft.com/office/powerpoint/2010/main" val="2141407519"/>
+        <p14:creationId xmlns:p14="http://schemas.microsoft.com/office/powerpoint/2010/main" val="2438414087"/>
       </p:ext>
     </p:extLst>
   </p:cSld>
@@ -547,7 +547,7 @@
           <p:cNvPr id="2" name="竖排标题 1">
             <a:extLst>
               <a:ext uri="{FF2B5EF4-FFF2-40B4-BE49-F238E27FC236}">
-                <a16:creationId xmlns:a16="http://schemas.microsoft.com/office/drawing/2014/main" id="{6CDA8664-8884-B4DC-41C7-151975887A35}"/>
+                <a16:creationId xmlns:a16="http://schemas.microsoft.com/office/drawing/2014/main" id="{EB473724-4F4D-9541-6FE7-CE53ECBD439C}"/>
               </a:ext>
             </a:extLst>
           </p:cNvPr>
@@ -580,7 +580,7 @@
           <p:cNvPr id="3" name="竖排文字占位符 2">
             <a:extLst>
               <a:ext uri="{FF2B5EF4-FFF2-40B4-BE49-F238E27FC236}">
-                <a16:creationId xmlns:a16="http://schemas.microsoft.com/office/drawing/2014/main" id="{5D45C48F-FB1A-29D3-8912-E15E7DA2B08D}"/>
+                <a16:creationId xmlns:a16="http://schemas.microsoft.com/office/drawing/2014/main" id="{03150F4B-44B1-70CB-C610-C8D9CCE8EB66}"/>
               </a:ext>
             </a:extLst>
           </p:cNvPr>
@@ -642,7 +642,7 @@
           <p:cNvPr id="4" name="日期占位符 3">
             <a:extLst>
               <a:ext uri="{FF2B5EF4-FFF2-40B4-BE49-F238E27FC236}">
-                <a16:creationId xmlns:a16="http://schemas.microsoft.com/office/drawing/2014/main" id="{2DA3F020-5077-BBFB-49B0-E6F166B3E649}"/>
+                <a16:creationId xmlns:a16="http://schemas.microsoft.com/office/drawing/2014/main" id="{BFB200C5-0495-BDB4-E1CE-7718942982B2}"/>
               </a:ext>
             </a:extLst>
           </p:cNvPr>
@@ -658,7 +658,7 @@
           <a:bodyPr/>
           <a:lstStyle/>
           <a:p>
-            <a:fld id="{3FE16752-7EA8-40E3-BF34-580FB0C20731}" type="datetimeFigureOut">
+            <a:fld id="{B64D3486-03AD-4947-B765-BBF12762DFEB}" type="datetimeFigureOut">
               <a:rPr lang="zh-CN" altLang="en-US" smtClean="0"/>
               <a:t>2024/3/10</a:t>
             </a:fld>
@@ -671,7 +671,7 @@
           <p:cNvPr id="5" name="页脚占位符 4">
             <a:extLst>
               <a:ext uri="{FF2B5EF4-FFF2-40B4-BE49-F238E27FC236}">
-                <a16:creationId xmlns:a16="http://schemas.microsoft.com/office/drawing/2014/main" id="{D0E851E2-F541-1328-EDF5-0278DA3FD87F}"/>
+                <a16:creationId xmlns:a16="http://schemas.microsoft.com/office/drawing/2014/main" id="{703DF3A0-03E5-01DE-71D5-3ACC25975AEC}"/>
               </a:ext>
             </a:extLst>
           </p:cNvPr>
@@ -696,7 +696,7 @@
           <p:cNvPr id="6" name="灯片编号占位符 5">
             <a:extLst>
               <a:ext uri="{FF2B5EF4-FFF2-40B4-BE49-F238E27FC236}">
-                <a16:creationId xmlns:a16="http://schemas.microsoft.com/office/drawing/2014/main" id="{85E01A9E-D684-4FB4-89B0-EBB452243456}"/>
+                <a16:creationId xmlns:a16="http://schemas.microsoft.com/office/drawing/2014/main" id="{E803CABE-C93A-FDCB-C866-DCE2D4B93B0D}"/>
               </a:ext>
             </a:extLst>
           </p:cNvPr>
@@ -712,7 +712,7 @@
           <a:bodyPr/>
           <a:lstStyle/>
           <a:p>
-            <a:fld id="{C318061D-DB70-41AB-A931-2F2E5C4BBE63}" type="slidenum">
+            <a:fld id="{BB45FE76-AC5D-47C4-BD33-88D676007AE8}" type="slidenum">
               <a:rPr lang="zh-CN" altLang="en-US" smtClean="0"/>
               <a:t>‹#›</a:t>
             </a:fld>
@@ -723,7 +723,7 @@
     </p:spTree>
     <p:extLst>
       <p:ext uri="{BB962C8B-B14F-4D97-AF65-F5344CB8AC3E}">
-        <p14:creationId xmlns:p14="http://schemas.microsoft.com/office/powerpoint/2010/main" val="3652053768"/>
+        <p14:creationId xmlns:p14="http://schemas.microsoft.com/office/powerpoint/2010/main" val="368195690"/>
       </p:ext>
     </p:extLst>
   </p:cSld>
@@ -755,7 +755,7 @@
           <p:cNvPr id="2" name="标题 1">
             <a:extLst>
               <a:ext uri="{FF2B5EF4-FFF2-40B4-BE49-F238E27FC236}">
-                <a16:creationId xmlns:a16="http://schemas.microsoft.com/office/drawing/2014/main" id="{C220D8F3-FCC0-65DE-79E7-03B8D289D695}"/>
+                <a16:creationId xmlns:a16="http://schemas.microsoft.com/office/drawing/2014/main" id="{7B7772FB-4B16-206A-4E72-3E60C3947C8C}"/>
               </a:ext>
             </a:extLst>
           </p:cNvPr>
@@ -783,7 +783,7 @@
           <p:cNvPr id="3" name="内容占位符 2">
             <a:extLst>
               <a:ext uri="{FF2B5EF4-FFF2-40B4-BE49-F238E27FC236}">
-                <a16:creationId xmlns:a16="http://schemas.microsoft.com/office/drawing/2014/main" id="{8EA12DA0-B04A-937A-5754-0789EBB47A80}"/>
+                <a16:creationId xmlns:a16="http://schemas.microsoft.com/office/drawing/2014/main" id="{85789C49-BF43-FDDD-E58F-4A61D9697DF6}"/>
               </a:ext>
             </a:extLst>
           </p:cNvPr>
@@ -840,7 +840,7 @@
           <p:cNvPr id="4" name="日期占位符 3">
             <a:extLst>
               <a:ext uri="{FF2B5EF4-FFF2-40B4-BE49-F238E27FC236}">
-                <a16:creationId xmlns:a16="http://schemas.microsoft.com/office/drawing/2014/main" id="{FA4395E2-7C31-E2E7-6CA1-8159E44BBA21}"/>
+                <a16:creationId xmlns:a16="http://schemas.microsoft.com/office/drawing/2014/main" id="{A1896585-4FAB-0A4A-69B4-F60BEA6FFA57}"/>
               </a:ext>
             </a:extLst>
           </p:cNvPr>
@@ -856,7 +856,7 @@
           <a:bodyPr/>
           <a:lstStyle/>
           <a:p>
-            <a:fld id="{3FE16752-7EA8-40E3-BF34-580FB0C20731}" type="datetimeFigureOut">
+            <a:fld id="{B64D3486-03AD-4947-B765-BBF12762DFEB}" type="datetimeFigureOut">
               <a:rPr lang="zh-CN" altLang="en-US" smtClean="0"/>
               <a:t>2024/3/10</a:t>
             </a:fld>
@@ -869,7 +869,7 @@
           <p:cNvPr id="5" name="页脚占位符 4">
             <a:extLst>
               <a:ext uri="{FF2B5EF4-FFF2-40B4-BE49-F238E27FC236}">
-                <a16:creationId xmlns:a16="http://schemas.microsoft.com/office/drawing/2014/main" id="{20A6EB2B-9471-2A4F-EF6D-7E3506D800D0}"/>
+                <a16:creationId xmlns:a16="http://schemas.microsoft.com/office/drawing/2014/main" id="{C1FCB029-C4A6-C005-1FCE-FFABAEA34A4A}"/>
               </a:ext>
             </a:extLst>
           </p:cNvPr>
@@ -894,7 +894,7 @@
           <p:cNvPr id="6" name="灯片编号占位符 5">
             <a:extLst>
               <a:ext uri="{FF2B5EF4-FFF2-40B4-BE49-F238E27FC236}">
-                <a16:creationId xmlns:a16="http://schemas.microsoft.com/office/drawing/2014/main" id="{367D40BD-4EEA-C49C-C10B-E6119FA4F818}"/>
+                <a16:creationId xmlns:a16="http://schemas.microsoft.com/office/drawing/2014/main" id="{AC1D9B55-5534-A19A-EF4A-A68BDC407805}"/>
               </a:ext>
             </a:extLst>
           </p:cNvPr>
@@ -910,7 +910,7 @@
           <a:bodyPr/>
           <a:lstStyle/>
           <a:p>
-            <a:fld id="{C318061D-DB70-41AB-A931-2F2E5C4BBE63}" type="slidenum">
+            <a:fld id="{BB45FE76-AC5D-47C4-BD33-88D676007AE8}" type="slidenum">
               <a:rPr lang="zh-CN" altLang="en-US" smtClean="0"/>
               <a:t>‹#›</a:t>
             </a:fld>
@@ -921,7 +921,7 @@
     </p:spTree>
     <p:extLst>
       <p:ext uri="{BB962C8B-B14F-4D97-AF65-F5344CB8AC3E}">
-        <p14:creationId xmlns:p14="http://schemas.microsoft.com/office/powerpoint/2010/main" val="1882615924"/>
+        <p14:creationId xmlns:p14="http://schemas.microsoft.com/office/powerpoint/2010/main" val="40255601"/>
       </p:ext>
     </p:extLst>
   </p:cSld>
@@ -953,7 +953,7 @@
           <p:cNvPr id="2" name="标题 1">
             <a:extLst>
               <a:ext uri="{FF2B5EF4-FFF2-40B4-BE49-F238E27FC236}">
-                <a16:creationId xmlns:a16="http://schemas.microsoft.com/office/drawing/2014/main" id="{9C2EE6EC-3ADB-B302-531A-5596BEF5B1C7}"/>
+                <a16:creationId xmlns:a16="http://schemas.microsoft.com/office/drawing/2014/main" id="{D95CAD9D-CEA2-8629-AB66-6C69E721F7E9}"/>
               </a:ext>
             </a:extLst>
           </p:cNvPr>
@@ -990,7 +990,7 @@
           <p:cNvPr id="3" name="文本占位符 2">
             <a:extLst>
               <a:ext uri="{FF2B5EF4-FFF2-40B4-BE49-F238E27FC236}">
-                <a16:creationId xmlns:a16="http://schemas.microsoft.com/office/drawing/2014/main" id="{F9DE94EE-F988-6233-9757-24C4EB3F7504}"/>
+                <a16:creationId xmlns:a16="http://schemas.microsoft.com/office/drawing/2014/main" id="{C991C25F-A4AD-7ED6-33BF-79D1764F2368}"/>
               </a:ext>
             </a:extLst>
           </p:cNvPr>
@@ -1115,7 +1115,7 @@
           <p:cNvPr id="4" name="日期占位符 3">
             <a:extLst>
               <a:ext uri="{FF2B5EF4-FFF2-40B4-BE49-F238E27FC236}">
-                <a16:creationId xmlns:a16="http://schemas.microsoft.com/office/drawing/2014/main" id="{E0919F2A-7EC4-7CA9-515B-38EBC6A5C92E}"/>
+                <a16:creationId xmlns:a16="http://schemas.microsoft.com/office/drawing/2014/main" id="{59BDE553-DA50-C129-6B6E-66248D4DBA62}"/>
               </a:ext>
             </a:extLst>
           </p:cNvPr>
@@ -1131,7 +1131,7 @@
           <a:bodyPr/>
           <a:lstStyle/>
           <a:p>
-            <a:fld id="{3FE16752-7EA8-40E3-BF34-580FB0C20731}" type="datetimeFigureOut">
+            <a:fld id="{B64D3486-03AD-4947-B765-BBF12762DFEB}" type="datetimeFigureOut">
               <a:rPr lang="zh-CN" altLang="en-US" smtClean="0"/>
               <a:t>2024/3/10</a:t>
             </a:fld>
@@ -1144,7 +1144,7 @@
           <p:cNvPr id="5" name="页脚占位符 4">
             <a:extLst>
               <a:ext uri="{FF2B5EF4-FFF2-40B4-BE49-F238E27FC236}">
-                <a16:creationId xmlns:a16="http://schemas.microsoft.com/office/drawing/2014/main" id="{4B84346C-84E0-C9AD-71A6-038EF4BCBCE0}"/>
+                <a16:creationId xmlns:a16="http://schemas.microsoft.com/office/drawing/2014/main" id="{D72F4DED-4AFE-B0CE-C372-5AAC9B56677B}"/>
               </a:ext>
             </a:extLst>
           </p:cNvPr>
@@ -1169,7 +1169,7 @@
           <p:cNvPr id="6" name="灯片编号占位符 5">
             <a:extLst>
               <a:ext uri="{FF2B5EF4-FFF2-40B4-BE49-F238E27FC236}">
-                <a16:creationId xmlns:a16="http://schemas.microsoft.com/office/drawing/2014/main" id="{FB83A528-7216-04B5-EC4E-B364D6910F39}"/>
+                <a16:creationId xmlns:a16="http://schemas.microsoft.com/office/drawing/2014/main" id="{890028FB-426C-74F7-AB8B-650B1A5C2405}"/>
               </a:ext>
             </a:extLst>
           </p:cNvPr>
@@ -1185,7 +1185,7 @@
           <a:bodyPr/>
           <a:lstStyle/>
           <a:p>
-            <a:fld id="{C318061D-DB70-41AB-A931-2F2E5C4BBE63}" type="slidenum">
+            <a:fld id="{BB45FE76-AC5D-47C4-BD33-88D676007AE8}" type="slidenum">
               <a:rPr lang="zh-CN" altLang="en-US" smtClean="0"/>
               <a:t>‹#›</a:t>
             </a:fld>
@@ -1196,7 +1196,7 @@
     </p:spTree>
     <p:extLst>
       <p:ext uri="{BB962C8B-B14F-4D97-AF65-F5344CB8AC3E}">
-        <p14:creationId xmlns:p14="http://schemas.microsoft.com/office/powerpoint/2010/main" val="580313099"/>
+        <p14:creationId xmlns:p14="http://schemas.microsoft.com/office/powerpoint/2010/main" val="2136491759"/>
       </p:ext>
     </p:extLst>
   </p:cSld>
@@ -1228,7 +1228,7 @@
           <p:cNvPr id="2" name="标题 1">
             <a:extLst>
               <a:ext uri="{FF2B5EF4-FFF2-40B4-BE49-F238E27FC236}">
-                <a16:creationId xmlns:a16="http://schemas.microsoft.com/office/drawing/2014/main" id="{77D59BF1-D140-3837-5A23-79B686044333}"/>
+                <a16:creationId xmlns:a16="http://schemas.microsoft.com/office/drawing/2014/main" id="{E8763432-EB26-E138-7774-36F7710B1742}"/>
               </a:ext>
             </a:extLst>
           </p:cNvPr>
@@ -1256,7 +1256,7 @@
           <p:cNvPr id="3" name="内容占位符 2">
             <a:extLst>
               <a:ext uri="{FF2B5EF4-FFF2-40B4-BE49-F238E27FC236}">
-                <a16:creationId xmlns:a16="http://schemas.microsoft.com/office/drawing/2014/main" id="{02642B91-DBF2-59C6-5364-DCAF8ED397CF}"/>
+                <a16:creationId xmlns:a16="http://schemas.microsoft.com/office/drawing/2014/main" id="{A3E2B9AA-BF71-68A5-3336-08EB13D883F9}"/>
               </a:ext>
             </a:extLst>
           </p:cNvPr>
@@ -1318,7 +1318,7 @@
           <p:cNvPr id="4" name="内容占位符 3">
             <a:extLst>
               <a:ext uri="{FF2B5EF4-FFF2-40B4-BE49-F238E27FC236}">
-                <a16:creationId xmlns:a16="http://schemas.microsoft.com/office/drawing/2014/main" id="{83BD1EBA-B724-74DC-2B4B-AAFB74D98F63}"/>
+                <a16:creationId xmlns:a16="http://schemas.microsoft.com/office/drawing/2014/main" id="{C3C55310-EA4F-9D5C-7975-14269F84536F}"/>
               </a:ext>
             </a:extLst>
           </p:cNvPr>
@@ -1380,7 +1380,7 @@
           <p:cNvPr id="5" name="日期占位符 4">
             <a:extLst>
               <a:ext uri="{FF2B5EF4-FFF2-40B4-BE49-F238E27FC236}">
-                <a16:creationId xmlns:a16="http://schemas.microsoft.com/office/drawing/2014/main" id="{DF610A09-1138-8DE3-AEAD-13D02F16A774}"/>
+                <a16:creationId xmlns:a16="http://schemas.microsoft.com/office/drawing/2014/main" id="{BF96F205-055A-D9A1-C576-AF371341EC61}"/>
               </a:ext>
             </a:extLst>
           </p:cNvPr>
@@ -1396,7 +1396,7 @@
           <a:bodyPr/>
           <a:lstStyle/>
           <a:p>
-            <a:fld id="{3FE16752-7EA8-40E3-BF34-580FB0C20731}" type="datetimeFigureOut">
+            <a:fld id="{B64D3486-03AD-4947-B765-BBF12762DFEB}" type="datetimeFigureOut">
               <a:rPr lang="zh-CN" altLang="en-US" smtClean="0"/>
               <a:t>2024/3/10</a:t>
             </a:fld>
@@ -1409,7 +1409,7 @@
           <p:cNvPr id="6" name="页脚占位符 5">
             <a:extLst>
               <a:ext uri="{FF2B5EF4-FFF2-40B4-BE49-F238E27FC236}">
-                <a16:creationId xmlns:a16="http://schemas.microsoft.com/office/drawing/2014/main" id="{DC0F43EA-9FFE-AE31-D063-7FFBD5F2F6C7}"/>
+                <a16:creationId xmlns:a16="http://schemas.microsoft.com/office/drawing/2014/main" id="{0A0D7397-E910-CAF8-3543-57CD81DEB899}"/>
               </a:ext>
             </a:extLst>
           </p:cNvPr>
@@ -1434,7 +1434,7 @@
           <p:cNvPr id="7" name="灯片编号占位符 6">
             <a:extLst>
               <a:ext uri="{FF2B5EF4-FFF2-40B4-BE49-F238E27FC236}">
-                <a16:creationId xmlns:a16="http://schemas.microsoft.com/office/drawing/2014/main" id="{CFFFB5E0-7EBD-82B5-8700-A6E9856CC797}"/>
+                <a16:creationId xmlns:a16="http://schemas.microsoft.com/office/drawing/2014/main" id="{8F5C3052-F52B-F5E3-21FB-EB9E305578A0}"/>
               </a:ext>
             </a:extLst>
           </p:cNvPr>
@@ -1450,7 +1450,7 @@
           <a:bodyPr/>
           <a:lstStyle/>
           <a:p>
-            <a:fld id="{C318061D-DB70-41AB-A931-2F2E5C4BBE63}" type="slidenum">
+            <a:fld id="{BB45FE76-AC5D-47C4-BD33-88D676007AE8}" type="slidenum">
               <a:rPr lang="zh-CN" altLang="en-US" smtClean="0"/>
               <a:t>‹#›</a:t>
             </a:fld>
@@ -1461,7 +1461,7 @@
     </p:spTree>
     <p:extLst>
       <p:ext uri="{BB962C8B-B14F-4D97-AF65-F5344CB8AC3E}">
-        <p14:creationId xmlns:p14="http://schemas.microsoft.com/office/powerpoint/2010/main" val="2623965039"/>
+        <p14:creationId xmlns:p14="http://schemas.microsoft.com/office/powerpoint/2010/main" val="1361734824"/>
       </p:ext>
     </p:extLst>
   </p:cSld>
@@ -1493,7 +1493,7 @@
           <p:cNvPr id="2" name="标题 1">
             <a:extLst>
               <a:ext uri="{FF2B5EF4-FFF2-40B4-BE49-F238E27FC236}">
-                <a16:creationId xmlns:a16="http://schemas.microsoft.com/office/drawing/2014/main" id="{BD66AEC9-1E4F-F1D5-75C0-8C8E426CD6C2}"/>
+                <a16:creationId xmlns:a16="http://schemas.microsoft.com/office/drawing/2014/main" id="{7633DD6A-0487-66ED-C6E5-2FFC02F144D8}"/>
               </a:ext>
             </a:extLst>
           </p:cNvPr>
@@ -1526,7 +1526,7 @@
           <p:cNvPr id="3" name="文本占位符 2">
             <a:extLst>
               <a:ext uri="{FF2B5EF4-FFF2-40B4-BE49-F238E27FC236}">
-                <a16:creationId xmlns:a16="http://schemas.microsoft.com/office/drawing/2014/main" id="{A09D3E4A-59C2-64C9-91DE-5834B4BCA195}"/>
+                <a16:creationId xmlns:a16="http://schemas.microsoft.com/office/drawing/2014/main" id="{58319658-737A-15D9-A14C-A6FA274BC849}"/>
               </a:ext>
             </a:extLst>
           </p:cNvPr>
@@ -1597,7 +1597,7 @@
           <p:cNvPr id="4" name="内容占位符 3">
             <a:extLst>
               <a:ext uri="{FF2B5EF4-FFF2-40B4-BE49-F238E27FC236}">
-                <a16:creationId xmlns:a16="http://schemas.microsoft.com/office/drawing/2014/main" id="{74A1CD79-5676-1E30-680F-7780753FA5DD}"/>
+                <a16:creationId xmlns:a16="http://schemas.microsoft.com/office/drawing/2014/main" id="{8598AC46-103D-F6E3-F8BA-F6FA16093ECB}"/>
               </a:ext>
             </a:extLst>
           </p:cNvPr>
@@ -1659,7 +1659,7 @@
           <p:cNvPr id="5" name="文本占位符 4">
             <a:extLst>
               <a:ext uri="{FF2B5EF4-FFF2-40B4-BE49-F238E27FC236}">
-                <a16:creationId xmlns:a16="http://schemas.microsoft.com/office/drawing/2014/main" id="{21C5FAC2-5954-2F2D-5DC0-1F6ABB2F7A9D}"/>
+                <a16:creationId xmlns:a16="http://schemas.microsoft.com/office/drawing/2014/main" id="{7B7620DF-2B6F-B4DC-E2DF-5673866E4A4C}"/>
               </a:ext>
             </a:extLst>
           </p:cNvPr>
@@ -1730,7 +1730,7 @@
           <p:cNvPr id="6" name="内容占位符 5">
             <a:extLst>
               <a:ext uri="{FF2B5EF4-FFF2-40B4-BE49-F238E27FC236}">
-                <a16:creationId xmlns:a16="http://schemas.microsoft.com/office/drawing/2014/main" id="{31B4AACA-BE41-0B05-06B4-B894985407D6}"/>
+                <a16:creationId xmlns:a16="http://schemas.microsoft.com/office/drawing/2014/main" id="{1BA3FADC-16A5-464F-ED12-10B05D435B06}"/>
               </a:ext>
             </a:extLst>
           </p:cNvPr>
@@ -1792,7 +1792,7 @@
           <p:cNvPr id="7" name="日期占位符 6">
             <a:extLst>
               <a:ext uri="{FF2B5EF4-FFF2-40B4-BE49-F238E27FC236}">
-                <a16:creationId xmlns:a16="http://schemas.microsoft.com/office/drawing/2014/main" id="{07953DF5-DC31-947C-3D14-FDCFC47195B4}"/>
+                <a16:creationId xmlns:a16="http://schemas.microsoft.com/office/drawing/2014/main" id="{F91A7579-D8D9-F091-6F90-A2C2290E1753}"/>
               </a:ext>
             </a:extLst>
           </p:cNvPr>
@@ -1808,7 +1808,7 @@
           <a:bodyPr/>
           <a:lstStyle/>
           <a:p>
-            <a:fld id="{3FE16752-7EA8-40E3-BF34-580FB0C20731}" type="datetimeFigureOut">
+            <a:fld id="{B64D3486-03AD-4947-B765-BBF12762DFEB}" type="datetimeFigureOut">
               <a:rPr lang="zh-CN" altLang="en-US" smtClean="0"/>
               <a:t>2024/3/10</a:t>
             </a:fld>
@@ -1821,7 +1821,7 @@
           <p:cNvPr id="8" name="页脚占位符 7">
             <a:extLst>
               <a:ext uri="{FF2B5EF4-FFF2-40B4-BE49-F238E27FC236}">
-                <a16:creationId xmlns:a16="http://schemas.microsoft.com/office/drawing/2014/main" id="{21D1B4E5-7344-7A9C-8B0B-9426D4454707}"/>
+                <a16:creationId xmlns:a16="http://schemas.microsoft.com/office/drawing/2014/main" id="{B399FB51-E706-031F-8FA5-6CA4C0885659}"/>
               </a:ext>
             </a:extLst>
           </p:cNvPr>
@@ -1846,7 +1846,7 @@
           <p:cNvPr id="9" name="灯片编号占位符 8">
             <a:extLst>
               <a:ext uri="{FF2B5EF4-FFF2-40B4-BE49-F238E27FC236}">
-                <a16:creationId xmlns:a16="http://schemas.microsoft.com/office/drawing/2014/main" id="{BDB9A371-0C4F-22A3-0EE7-687927CFB9FB}"/>
+                <a16:creationId xmlns:a16="http://schemas.microsoft.com/office/drawing/2014/main" id="{291BE773-31B4-D699-7EB7-ACF6B5756A16}"/>
               </a:ext>
             </a:extLst>
           </p:cNvPr>
@@ -1862,7 +1862,7 @@
           <a:bodyPr/>
           <a:lstStyle/>
           <a:p>
-            <a:fld id="{C318061D-DB70-41AB-A931-2F2E5C4BBE63}" type="slidenum">
+            <a:fld id="{BB45FE76-AC5D-47C4-BD33-88D676007AE8}" type="slidenum">
               <a:rPr lang="zh-CN" altLang="en-US" smtClean="0"/>
               <a:t>‹#›</a:t>
             </a:fld>
@@ -1873,7 +1873,7 @@
     </p:spTree>
     <p:extLst>
       <p:ext uri="{BB962C8B-B14F-4D97-AF65-F5344CB8AC3E}">
-        <p14:creationId xmlns:p14="http://schemas.microsoft.com/office/powerpoint/2010/main" val="2837573206"/>
+        <p14:creationId xmlns:p14="http://schemas.microsoft.com/office/powerpoint/2010/main" val="3363877664"/>
       </p:ext>
     </p:extLst>
   </p:cSld>
@@ -1905,7 +1905,7 @@
           <p:cNvPr id="2" name="标题 1">
             <a:extLst>
               <a:ext uri="{FF2B5EF4-FFF2-40B4-BE49-F238E27FC236}">
-                <a16:creationId xmlns:a16="http://schemas.microsoft.com/office/drawing/2014/main" id="{4145D98F-29BE-B8B3-B00A-A679F2870617}"/>
+                <a16:creationId xmlns:a16="http://schemas.microsoft.com/office/drawing/2014/main" id="{4A730089-4A84-79C4-D454-8C8D56EC8189}"/>
               </a:ext>
             </a:extLst>
           </p:cNvPr>
@@ -1933,7 +1933,7 @@
           <p:cNvPr id="3" name="日期占位符 2">
             <a:extLst>
               <a:ext uri="{FF2B5EF4-FFF2-40B4-BE49-F238E27FC236}">
-                <a16:creationId xmlns:a16="http://schemas.microsoft.com/office/drawing/2014/main" id="{43FA75F2-0F0C-A43B-0D48-A8279FF7B863}"/>
+                <a16:creationId xmlns:a16="http://schemas.microsoft.com/office/drawing/2014/main" id="{98C2439E-B566-C33F-D1AE-128F5E108C21}"/>
               </a:ext>
             </a:extLst>
           </p:cNvPr>
@@ -1949,7 +1949,7 @@
           <a:bodyPr/>
           <a:lstStyle/>
           <a:p>
-            <a:fld id="{3FE16752-7EA8-40E3-BF34-580FB0C20731}" type="datetimeFigureOut">
+            <a:fld id="{B64D3486-03AD-4947-B765-BBF12762DFEB}" type="datetimeFigureOut">
               <a:rPr lang="zh-CN" altLang="en-US" smtClean="0"/>
               <a:t>2024/3/10</a:t>
             </a:fld>
@@ -1962,7 +1962,7 @@
           <p:cNvPr id="4" name="页脚占位符 3">
             <a:extLst>
               <a:ext uri="{FF2B5EF4-FFF2-40B4-BE49-F238E27FC236}">
-                <a16:creationId xmlns:a16="http://schemas.microsoft.com/office/drawing/2014/main" id="{23624F14-703E-D446-8672-FCBFD17E4CB9}"/>
+                <a16:creationId xmlns:a16="http://schemas.microsoft.com/office/drawing/2014/main" id="{2FD19628-9D2E-9E4E-6DFC-E31A26305EA1}"/>
               </a:ext>
             </a:extLst>
           </p:cNvPr>
@@ -1987,7 +1987,7 @@
           <p:cNvPr id="5" name="灯片编号占位符 4">
             <a:extLst>
               <a:ext uri="{FF2B5EF4-FFF2-40B4-BE49-F238E27FC236}">
-                <a16:creationId xmlns:a16="http://schemas.microsoft.com/office/drawing/2014/main" id="{25551940-30AB-72AE-B666-58060A166120}"/>
+                <a16:creationId xmlns:a16="http://schemas.microsoft.com/office/drawing/2014/main" id="{B95E3854-E976-D3CA-C533-45A80A1365DC}"/>
               </a:ext>
             </a:extLst>
           </p:cNvPr>
@@ -2003,7 +2003,7 @@
           <a:bodyPr/>
           <a:lstStyle/>
           <a:p>
-            <a:fld id="{C318061D-DB70-41AB-A931-2F2E5C4BBE63}" type="slidenum">
+            <a:fld id="{BB45FE76-AC5D-47C4-BD33-88D676007AE8}" type="slidenum">
               <a:rPr lang="zh-CN" altLang="en-US" smtClean="0"/>
               <a:t>‹#›</a:t>
             </a:fld>
@@ -2014,7 +2014,7 @@
     </p:spTree>
     <p:extLst>
       <p:ext uri="{BB962C8B-B14F-4D97-AF65-F5344CB8AC3E}">
-        <p14:creationId xmlns:p14="http://schemas.microsoft.com/office/powerpoint/2010/main" val="1478712335"/>
+        <p14:creationId xmlns:p14="http://schemas.microsoft.com/office/powerpoint/2010/main" val="3391166803"/>
       </p:ext>
     </p:extLst>
   </p:cSld>
@@ -2046,7 +2046,7 @@
           <p:cNvPr id="2" name="日期占位符 1">
             <a:extLst>
               <a:ext uri="{FF2B5EF4-FFF2-40B4-BE49-F238E27FC236}">
-                <a16:creationId xmlns:a16="http://schemas.microsoft.com/office/drawing/2014/main" id="{C2440255-B8B6-252A-3061-F3DC9EE52602}"/>
+                <a16:creationId xmlns:a16="http://schemas.microsoft.com/office/drawing/2014/main" id="{117063C1-1CA6-E8F2-21D1-9F9658793C47}"/>
               </a:ext>
             </a:extLst>
           </p:cNvPr>
@@ -2062,7 +2062,7 @@
           <a:bodyPr/>
           <a:lstStyle/>
           <a:p>
-            <a:fld id="{3FE16752-7EA8-40E3-BF34-580FB0C20731}" type="datetimeFigureOut">
+            <a:fld id="{B64D3486-03AD-4947-B765-BBF12762DFEB}" type="datetimeFigureOut">
               <a:rPr lang="zh-CN" altLang="en-US" smtClean="0"/>
               <a:t>2024/3/10</a:t>
             </a:fld>
@@ -2075,7 +2075,7 @@
           <p:cNvPr id="3" name="页脚占位符 2">
             <a:extLst>
               <a:ext uri="{FF2B5EF4-FFF2-40B4-BE49-F238E27FC236}">
-                <a16:creationId xmlns:a16="http://schemas.microsoft.com/office/drawing/2014/main" id="{783D1BE6-2922-E990-1DE5-D5C28B9347F8}"/>
+                <a16:creationId xmlns:a16="http://schemas.microsoft.com/office/drawing/2014/main" id="{5EE58650-16A5-9AC2-02A7-E91A3A9FB90D}"/>
               </a:ext>
             </a:extLst>
           </p:cNvPr>
@@ -2100,7 +2100,7 @@
           <p:cNvPr id="4" name="灯片编号占位符 3">
             <a:extLst>
               <a:ext uri="{FF2B5EF4-FFF2-40B4-BE49-F238E27FC236}">
-                <a16:creationId xmlns:a16="http://schemas.microsoft.com/office/drawing/2014/main" id="{BF056009-B7BD-22DF-FC50-0FB8C87120A0}"/>
+                <a16:creationId xmlns:a16="http://schemas.microsoft.com/office/drawing/2014/main" id="{E4064C55-D121-CDFE-CCB3-97180B32512C}"/>
               </a:ext>
             </a:extLst>
           </p:cNvPr>
@@ -2116,7 +2116,7 @@
           <a:bodyPr/>
           <a:lstStyle/>
           <a:p>
-            <a:fld id="{C318061D-DB70-41AB-A931-2F2E5C4BBE63}" type="slidenum">
+            <a:fld id="{BB45FE76-AC5D-47C4-BD33-88D676007AE8}" type="slidenum">
               <a:rPr lang="zh-CN" altLang="en-US" smtClean="0"/>
               <a:t>‹#›</a:t>
             </a:fld>
@@ -2127,7 +2127,7 @@
     </p:spTree>
     <p:extLst>
       <p:ext uri="{BB962C8B-B14F-4D97-AF65-F5344CB8AC3E}">
-        <p14:creationId xmlns:p14="http://schemas.microsoft.com/office/powerpoint/2010/main" val="39278508"/>
+        <p14:creationId xmlns:p14="http://schemas.microsoft.com/office/powerpoint/2010/main" val="3334911713"/>
       </p:ext>
     </p:extLst>
   </p:cSld>
@@ -2159,7 +2159,7 @@
           <p:cNvPr id="2" name="标题 1">
             <a:extLst>
               <a:ext uri="{FF2B5EF4-FFF2-40B4-BE49-F238E27FC236}">
-                <a16:creationId xmlns:a16="http://schemas.microsoft.com/office/drawing/2014/main" id="{8FE97E98-9F49-6077-7323-B2462160E028}"/>
+                <a16:creationId xmlns:a16="http://schemas.microsoft.com/office/drawing/2014/main" id="{3C25409D-44D9-ABDA-D55E-2C39323B76E1}"/>
               </a:ext>
             </a:extLst>
           </p:cNvPr>
@@ -2196,7 +2196,7 @@
           <p:cNvPr id="3" name="内容占位符 2">
             <a:extLst>
               <a:ext uri="{FF2B5EF4-FFF2-40B4-BE49-F238E27FC236}">
-                <a16:creationId xmlns:a16="http://schemas.microsoft.com/office/drawing/2014/main" id="{09FC0F76-84BD-593B-AC37-EF4F18B0FD31}"/>
+                <a16:creationId xmlns:a16="http://schemas.microsoft.com/office/drawing/2014/main" id="{FD5F35DD-525E-54DB-378B-EA29D7276D76}"/>
               </a:ext>
             </a:extLst>
           </p:cNvPr>
@@ -2286,7 +2286,7 @@
           <p:cNvPr id="4" name="文本占位符 3">
             <a:extLst>
               <a:ext uri="{FF2B5EF4-FFF2-40B4-BE49-F238E27FC236}">
-                <a16:creationId xmlns:a16="http://schemas.microsoft.com/office/drawing/2014/main" id="{4E6DEF21-2352-D799-ABF2-E6A94F5507DB}"/>
+                <a16:creationId xmlns:a16="http://schemas.microsoft.com/office/drawing/2014/main" id="{B125B0A7-662C-48AC-F5AA-E8D2BDE29F84}"/>
               </a:ext>
             </a:extLst>
           </p:cNvPr>
@@ -2357,7 +2357,7 @@
           <p:cNvPr id="5" name="日期占位符 4">
             <a:extLst>
               <a:ext uri="{FF2B5EF4-FFF2-40B4-BE49-F238E27FC236}">
-                <a16:creationId xmlns:a16="http://schemas.microsoft.com/office/drawing/2014/main" id="{88C5AB39-7605-A866-9457-63E95D3F91B2}"/>
+                <a16:creationId xmlns:a16="http://schemas.microsoft.com/office/drawing/2014/main" id="{DB50B4C4-9811-8610-3179-6334419C5B38}"/>
               </a:ext>
             </a:extLst>
           </p:cNvPr>
@@ -2373,7 +2373,7 @@
           <a:bodyPr/>
           <a:lstStyle/>
           <a:p>
-            <a:fld id="{3FE16752-7EA8-40E3-BF34-580FB0C20731}" type="datetimeFigureOut">
+            <a:fld id="{B64D3486-03AD-4947-B765-BBF12762DFEB}" type="datetimeFigureOut">
               <a:rPr lang="zh-CN" altLang="en-US" smtClean="0"/>
               <a:t>2024/3/10</a:t>
             </a:fld>
@@ -2386,7 +2386,7 @@
           <p:cNvPr id="6" name="页脚占位符 5">
             <a:extLst>
               <a:ext uri="{FF2B5EF4-FFF2-40B4-BE49-F238E27FC236}">
-                <a16:creationId xmlns:a16="http://schemas.microsoft.com/office/drawing/2014/main" id="{01889A1F-5217-7CC2-5AA4-03A06C2B3E31}"/>
+                <a16:creationId xmlns:a16="http://schemas.microsoft.com/office/drawing/2014/main" id="{BE0552D6-601B-D00B-B6EA-E1A31FCAF060}"/>
               </a:ext>
             </a:extLst>
           </p:cNvPr>
@@ -2411,7 +2411,7 @@
           <p:cNvPr id="7" name="灯片编号占位符 6">
             <a:extLst>
               <a:ext uri="{FF2B5EF4-FFF2-40B4-BE49-F238E27FC236}">
-                <a16:creationId xmlns:a16="http://schemas.microsoft.com/office/drawing/2014/main" id="{89E5577B-3716-42FD-BC16-2062655EC110}"/>
+                <a16:creationId xmlns:a16="http://schemas.microsoft.com/office/drawing/2014/main" id="{961081B2-D046-F4C3-6765-B4BC3FBEDDC6}"/>
               </a:ext>
             </a:extLst>
           </p:cNvPr>
@@ -2427,7 +2427,7 @@
           <a:bodyPr/>
           <a:lstStyle/>
           <a:p>
-            <a:fld id="{C318061D-DB70-41AB-A931-2F2E5C4BBE63}" type="slidenum">
+            <a:fld id="{BB45FE76-AC5D-47C4-BD33-88D676007AE8}" type="slidenum">
               <a:rPr lang="zh-CN" altLang="en-US" smtClean="0"/>
               <a:t>‹#›</a:t>
             </a:fld>
@@ -2438,7 +2438,7 @@
     </p:spTree>
     <p:extLst>
       <p:ext uri="{BB962C8B-B14F-4D97-AF65-F5344CB8AC3E}">
-        <p14:creationId xmlns:p14="http://schemas.microsoft.com/office/powerpoint/2010/main" val="1888145244"/>
+        <p14:creationId xmlns:p14="http://schemas.microsoft.com/office/powerpoint/2010/main" val="1088150011"/>
       </p:ext>
     </p:extLst>
   </p:cSld>
@@ -2470,7 +2470,7 @@
           <p:cNvPr id="2" name="标题 1">
             <a:extLst>
               <a:ext uri="{FF2B5EF4-FFF2-40B4-BE49-F238E27FC236}">
-                <a16:creationId xmlns:a16="http://schemas.microsoft.com/office/drawing/2014/main" id="{8F7D57F1-58F7-EE8B-8F95-FF2DAC1BAC56}"/>
+                <a16:creationId xmlns:a16="http://schemas.microsoft.com/office/drawing/2014/main" id="{B2A0B900-B4B5-D7E1-23F2-4D65A2B8F93F}"/>
               </a:ext>
             </a:extLst>
           </p:cNvPr>
@@ -2507,7 +2507,7 @@
           <p:cNvPr id="3" name="图片占位符 2">
             <a:extLst>
               <a:ext uri="{FF2B5EF4-FFF2-40B4-BE49-F238E27FC236}">
-                <a16:creationId xmlns:a16="http://schemas.microsoft.com/office/drawing/2014/main" id="{23399BFB-9DF4-B7C3-6FE0-78F100ECD970}"/>
+                <a16:creationId xmlns:a16="http://schemas.microsoft.com/office/drawing/2014/main" id="{47B3B181-B106-52A1-7871-96D65857D4B1}"/>
               </a:ext>
             </a:extLst>
           </p:cNvPr>
@@ -2574,7 +2574,7 @@
           <p:cNvPr id="4" name="文本占位符 3">
             <a:extLst>
               <a:ext uri="{FF2B5EF4-FFF2-40B4-BE49-F238E27FC236}">
-                <a16:creationId xmlns:a16="http://schemas.microsoft.com/office/drawing/2014/main" id="{C7CB7B01-0E4E-243C-D6CC-055D7FAD28EF}"/>
+                <a16:creationId xmlns:a16="http://schemas.microsoft.com/office/drawing/2014/main" id="{DA2AAB34-FF66-D6DD-31BF-0AC4CAB9B427}"/>
               </a:ext>
             </a:extLst>
           </p:cNvPr>
@@ -2645,7 +2645,7 @@
           <p:cNvPr id="5" name="日期占位符 4">
             <a:extLst>
               <a:ext uri="{FF2B5EF4-FFF2-40B4-BE49-F238E27FC236}">
-                <a16:creationId xmlns:a16="http://schemas.microsoft.com/office/drawing/2014/main" id="{B4B223BB-5BF7-17BC-DF1B-68258611A8F3}"/>
+                <a16:creationId xmlns:a16="http://schemas.microsoft.com/office/drawing/2014/main" id="{451D9368-09CD-CF67-48E0-4021D4425E64}"/>
               </a:ext>
             </a:extLst>
           </p:cNvPr>
@@ -2661,7 +2661,7 @@
           <a:bodyPr/>
           <a:lstStyle/>
           <a:p>
-            <a:fld id="{3FE16752-7EA8-40E3-BF34-580FB0C20731}" type="datetimeFigureOut">
+            <a:fld id="{B64D3486-03AD-4947-B765-BBF12762DFEB}" type="datetimeFigureOut">
               <a:rPr lang="zh-CN" altLang="en-US" smtClean="0"/>
               <a:t>2024/3/10</a:t>
             </a:fld>
@@ -2674,7 +2674,7 @@
           <p:cNvPr id="6" name="页脚占位符 5">
             <a:extLst>
               <a:ext uri="{FF2B5EF4-FFF2-40B4-BE49-F238E27FC236}">
-                <a16:creationId xmlns:a16="http://schemas.microsoft.com/office/drawing/2014/main" id="{C2F1B712-9265-59EB-7C18-F78E158774E4}"/>
+                <a16:creationId xmlns:a16="http://schemas.microsoft.com/office/drawing/2014/main" id="{E7C27957-D4FD-EEA4-1CF9-3A31AE3CD0B1}"/>
               </a:ext>
             </a:extLst>
           </p:cNvPr>
@@ -2699,7 +2699,7 @@
           <p:cNvPr id="7" name="灯片编号占位符 6">
             <a:extLst>
               <a:ext uri="{FF2B5EF4-FFF2-40B4-BE49-F238E27FC236}">
-                <a16:creationId xmlns:a16="http://schemas.microsoft.com/office/drawing/2014/main" id="{5FDA59E2-C2E5-5D35-4CD8-40CD7F42F2B3}"/>
+                <a16:creationId xmlns:a16="http://schemas.microsoft.com/office/drawing/2014/main" id="{E82304E1-3A2F-689B-AA94-6A1875370AFB}"/>
               </a:ext>
             </a:extLst>
           </p:cNvPr>
@@ -2715,7 +2715,7 @@
           <a:bodyPr/>
           <a:lstStyle/>
           <a:p>
-            <a:fld id="{C318061D-DB70-41AB-A931-2F2E5C4BBE63}" type="slidenum">
+            <a:fld id="{BB45FE76-AC5D-47C4-BD33-88D676007AE8}" type="slidenum">
               <a:rPr lang="zh-CN" altLang="en-US" smtClean="0"/>
               <a:t>‹#›</a:t>
             </a:fld>
@@ -2726,7 +2726,7 @@
     </p:spTree>
     <p:extLst>
       <p:ext uri="{BB962C8B-B14F-4D97-AF65-F5344CB8AC3E}">
-        <p14:creationId xmlns:p14="http://schemas.microsoft.com/office/powerpoint/2010/main" val="1556290281"/>
+        <p14:creationId xmlns:p14="http://schemas.microsoft.com/office/powerpoint/2010/main" val="2415398094"/>
       </p:ext>
     </p:extLst>
   </p:cSld>
@@ -2763,7 +2763,7 @@
           <p:cNvPr id="2" name="标题占位符 1">
             <a:extLst>
               <a:ext uri="{FF2B5EF4-FFF2-40B4-BE49-F238E27FC236}">
-                <a16:creationId xmlns:a16="http://schemas.microsoft.com/office/drawing/2014/main" id="{63D82688-A943-A0F2-D412-D49041AC8C69}"/>
+                <a16:creationId xmlns:a16="http://schemas.microsoft.com/office/drawing/2014/main" id="{1852E534-4D93-ED53-A97B-7013B13822A5}"/>
               </a:ext>
             </a:extLst>
           </p:cNvPr>
@@ -2801,7 +2801,7 @@
           <p:cNvPr id="3" name="文本占位符 2">
             <a:extLst>
               <a:ext uri="{FF2B5EF4-FFF2-40B4-BE49-F238E27FC236}">
-                <a16:creationId xmlns:a16="http://schemas.microsoft.com/office/drawing/2014/main" id="{B1572419-BDA4-257B-35B9-1D9CAC477352}"/>
+                <a16:creationId xmlns:a16="http://schemas.microsoft.com/office/drawing/2014/main" id="{7A09A0A6-777C-204D-FC81-1CAD194E7FA3}"/>
               </a:ext>
             </a:extLst>
           </p:cNvPr>
@@ -2868,7 +2868,7 @@
           <p:cNvPr id="4" name="日期占位符 3">
             <a:extLst>
               <a:ext uri="{FF2B5EF4-FFF2-40B4-BE49-F238E27FC236}">
-                <a16:creationId xmlns:a16="http://schemas.microsoft.com/office/drawing/2014/main" id="{63DCF6C7-451F-A6E4-F98A-F531F57541EC}"/>
+                <a16:creationId xmlns:a16="http://schemas.microsoft.com/office/drawing/2014/main" id="{007984C1-4A18-0654-157D-B38C131CFD81}"/>
               </a:ext>
             </a:extLst>
           </p:cNvPr>
@@ -2902,7 +2902,7 @@
             </a:lvl1pPr>
           </a:lstStyle>
           <a:p>
-            <a:fld id="{3FE16752-7EA8-40E3-BF34-580FB0C20731}" type="datetimeFigureOut">
+            <a:fld id="{B64D3486-03AD-4947-B765-BBF12762DFEB}" type="datetimeFigureOut">
               <a:rPr lang="zh-CN" altLang="en-US" smtClean="0"/>
               <a:t>2024/3/10</a:t>
             </a:fld>
@@ -2915,7 +2915,7 @@
           <p:cNvPr id="5" name="页脚占位符 4">
             <a:extLst>
               <a:ext uri="{FF2B5EF4-FFF2-40B4-BE49-F238E27FC236}">
-                <a16:creationId xmlns:a16="http://schemas.microsoft.com/office/drawing/2014/main" id="{1EBA729F-5D82-F36D-98FC-CEFA978A059B}"/>
+                <a16:creationId xmlns:a16="http://schemas.microsoft.com/office/drawing/2014/main" id="{724C5D98-96F1-8834-F146-A718E411704A}"/>
               </a:ext>
             </a:extLst>
           </p:cNvPr>
@@ -2958,7 +2958,7 @@
           <p:cNvPr id="6" name="灯片编号占位符 5">
             <a:extLst>
               <a:ext uri="{FF2B5EF4-FFF2-40B4-BE49-F238E27FC236}">
-                <a16:creationId xmlns:a16="http://schemas.microsoft.com/office/drawing/2014/main" id="{96AFB99E-52C8-21DA-63C3-21C06456E977}"/>
+                <a16:creationId xmlns:a16="http://schemas.microsoft.com/office/drawing/2014/main" id="{0479DC66-1605-BF7D-42A0-D93FE2852643}"/>
               </a:ext>
             </a:extLst>
           </p:cNvPr>
@@ -2992,7 +2992,7 @@
             </a:lvl1pPr>
           </a:lstStyle>
           <a:p>
-            <a:fld id="{C318061D-DB70-41AB-A931-2F2E5C4BBE63}" type="slidenum">
+            <a:fld id="{BB45FE76-AC5D-47C4-BD33-88D676007AE8}" type="slidenum">
               <a:rPr lang="zh-CN" altLang="en-US" smtClean="0"/>
               <a:t>‹#›</a:t>
             </a:fld>
@@ -3003,7 +3003,7 @@
     </p:spTree>
     <p:extLst>
       <p:ext uri="{BB962C8B-B14F-4D97-AF65-F5344CB8AC3E}">
-        <p14:creationId xmlns:p14="http://schemas.microsoft.com/office/powerpoint/2010/main" val="4053484724"/>
+        <p14:creationId xmlns:p14="http://schemas.microsoft.com/office/powerpoint/2010/main" val="3339188142"/>
       </p:ext>
     </p:extLst>
   </p:cSld>
@@ -3323,7 +3323,7 @@
       </p:grpSpPr>
       <p:pic>
         <p:nvPicPr>
-          <p:cNvPr id="1085442" name="Picture 2" descr="1059"/>
+          <p:cNvPr id="1086466" name="Picture 2" descr="1060"/>
           <p:cNvPicPr>
             <a:picLocks noChangeAspect="1" noChangeArrowheads="1"/>
           </p:cNvPicPr>
